--- a/CursoSaúdeMental/Rascunho_Escuta Ativa.pptx
+++ b/CursoSaúdeMental/Rascunho_Escuta Ativa.pptx
@@ -1531,7 +1531,7 @@
             <a:fld id="{B61BEF0D-F0BB-DE4B-95CE-6DB70DBA9567}" type="datetimeFigureOut">
               <a:rPr lang="en-US" smtClean="0"/>
               <a:pPr/>
-              <a:t>9/13/2023</a:t>
+              <a:t>9/26/2023</a:t>
             </a:fld>
             <a:endParaRPr lang="en-US" dirty="0"/>
           </a:p>
@@ -2044,7 +2044,7 @@
             <a:fld id="{B61BEF0D-F0BB-DE4B-95CE-6DB70DBA9567}" type="datetimeFigureOut">
               <a:rPr lang="en-US" smtClean="0"/>
               <a:pPr/>
-              <a:t>9/13/2023</a:t>
+              <a:t>9/26/2023</a:t>
             </a:fld>
             <a:endParaRPr lang="en-US" dirty="0"/>
           </a:p>
@@ -2444,7 +2444,7 @@
             <a:fld id="{B61BEF0D-F0BB-DE4B-95CE-6DB70DBA9567}" type="datetimeFigureOut">
               <a:rPr lang="en-US" smtClean="0"/>
               <a:pPr/>
-              <a:t>9/13/2023</a:t>
+              <a:t>9/26/2023</a:t>
             </a:fld>
             <a:endParaRPr lang="en-US" dirty="0"/>
           </a:p>
@@ -2700,7 +2700,7 @@
             <a:fld id="{B61BEF0D-F0BB-DE4B-95CE-6DB70DBA9567}" type="datetimeFigureOut">
               <a:rPr lang="en-US" smtClean="0"/>
               <a:pPr/>
-              <a:t>9/13/2023</a:t>
+              <a:t>9/26/2023</a:t>
             </a:fld>
             <a:endParaRPr lang="en-US" dirty="0"/>
           </a:p>
@@ -2907,7 +2907,7 @@
             <a:fld id="{B61BEF0D-F0BB-DE4B-95CE-6DB70DBA9567}" type="datetimeFigureOut">
               <a:rPr lang="en-US" smtClean="0"/>
               <a:pPr/>
-              <a:t>9/13/2023</a:t>
+              <a:t>9/26/2023</a:t>
             </a:fld>
             <a:endParaRPr lang="en-US" dirty="0"/>
           </a:p>
@@ -6980,7 +6980,7 @@
             <a:fld id="{B61BEF0D-F0BB-DE4B-95CE-6DB70DBA9567}" type="datetimeFigureOut">
               <a:rPr lang="en-US" smtClean="0"/>
               <a:pPr/>
-              <a:t>9/13/2023</a:t>
+              <a:t>9/26/2023</a:t>
             </a:fld>
             <a:endParaRPr lang="en-US" dirty="0"/>
           </a:p>
@@ -7391,7 +7391,7 @@
             <a:fld id="{B61BEF0D-F0BB-DE4B-95CE-6DB70DBA9567}" type="datetimeFigureOut">
               <a:rPr lang="en-US" smtClean="0"/>
               <a:pPr/>
-              <a:t>9/13/2023</a:t>
+              <a:t>9/26/2023</a:t>
             </a:fld>
             <a:endParaRPr lang="en-US" dirty="0"/>
           </a:p>
@@ -7895,7 +7895,7 @@
             <a:fld id="{B61BEF0D-F0BB-DE4B-95CE-6DB70DBA9567}" type="datetimeFigureOut">
               <a:rPr lang="en-US" smtClean="0"/>
               <a:pPr/>
-              <a:t>9/13/2023</a:t>
+              <a:t>9/26/2023</a:t>
             </a:fld>
             <a:endParaRPr lang="en-US" dirty="0"/>
           </a:p>
@@ -8040,7 +8040,7 @@
             <a:fld id="{B61BEF0D-F0BB-DE4B-95CE-6DB70DBA9567}" type="datetimeFigureOut">
               <a:rPr lang="en-US" smtClean="0"/>
               <a:pPr/>
-              <a:t>9/13/2023</a:t>
+              <a:t>9/26/2023</a:t>
             </a:fld>
             <a:endParaRPr lang="en-US" dirty="0"/>
           </a:p>
@@ -8162,7 +8162,7 @@
             <a:fld id="{B61BEF0D-F0BB-DE4B-95CE-6DB70DBA9567}" type="datetimeFigureOut">
               <a:rPr lang="en-US" smtClean="0"/>
               <a:pPr/>
-              <a:t>9/13/2023</a:t>
+              <a:t>9/26/2023</a:t>
             </a:fld>
             <a:endParaRPr lang="en-US" dirty="0"/>
           </a:p>
